--- a/Презентация Предпроект/Презентация Предпроекта.pptx
+++ b/Презентация Предпроект/Презентация Предпроекта.pptx
@@ -166,7 +166,7 @@
           <a:noFill/>
           <a:extLst>
             <a:ext uri="{909E8E84-426E-40dd-AFC4-6F175D3DCCD1}">
-              <a14:hiddenFill xmlns="" xmlns:a14="http://schemas.microsoft.com/office/drawing/2010/main">
+              <a14:hiddenFill xmlns:a14="http://schemas.microsoft.com/office/drawing/2010/main" xmlns="">
                 <a:solidFill>
                   <a:srgbClr val="FFFFFF"/>
                 </a:solidFill>
@@ -226,7 +226,7 @@
             </a:ln>
             <a:extLst>
               <a:ext uri="{91240B29-F687-4f45-9708-019B960494DF}">
-                <a14:hiddenLine xmlns="" xmlns:a14="http://schemas.microsoft.com/office/drawing/2010/main" w="9525">
+                <a14:hiddenLine xmlns:a14="http://schemas.microsoft.com/office/drawing/2010/main" xmlns="" w="9525">
                   <a:solidFill>
                     <a:srgbClr val="000000"/>
                   </a:solidFill>
@@ -316,7 +316,7 @@
             </a:ln>
             <a:extLst>
               <a:ext uri="{91240B29-F687-4f45-9708-019B960494DF}">
-                <a14:hiddenLine xmlns="" xmlns:a14="http://schemas.microsoft.com/office/drawing/2010/main" w="9525">
+                <a14:hiddenLine xmlns:a14="http://schemas.microsoft.com/office/drawing/2010/main" xmlns="" w="9525">
                   <a:solidFill>
                     <a:srgbClr val="000000"/>
                   </a:solidFill>
@@ -406,7 +406,7 @@
             </a:ln>
             <a:extLst>
               <a:ext uri="{91240B29-F687-4f45-9708-019B960494DF}">
-                <a14:hiddenLine xmlns="" xmlns:a14="http://schemas.microsoft.com/office/drawing/2010/main" w="9525">
+                <a14:hiddenLine xmlns:a14="http://schemas.microsoft.com/office/drawing/2010/main" xmlns="" w="9525">
                   <a:solidFill>
                     <a:srgbClr val="000000"/>
                   </a:solidFill>
@@ -440,7 +440,7 @@
             </a:ln>
             <a:extLst>
               <a:ext uri="{91240B29-F687-4f45-9708-019B960494DF}">
-                <a14:hiddenLine xmlns="" xmlns:a14="http://schemas.microsoft.com/office/drawing/2010/main" w="9525">
+                <a14:hiddenLine xmlns:a14="http://schemas.microsoft.com/office/drawing/2010/main" xmlns="" w="9525">
                   <a:solidFill>
                     <a:srgbClr val="000000"/>
                   </a:solidFill>
@@ -530,7 +530,7 @@
             </a:ln>
             <a:extLst>
               <a:ext uri="{91240B29-F687-4f45-9708-019B960494DF}">
-                <a14:hiddenLine xmlns="" xmlns:a14="http://schemas.microsoft.com/office/drawing/2010/main" w="9525">
+                <a14:hiddenLine xmlns:a14="http://schemas.microsoft.com/office/drawing/2010/main" xmlns="" w="9525">
                   <a:solidFill>
                     <a:srgbClr val="000000"/>
                   </a:solidFill>
@@ -592,7 +592,7 @@
             </a:ln>
             <a:extLst>
               <a:ext uri="{91240B29-F687-4f45-9708-019B960494DF}">
-                <a14:hiddenLine xmlns="" xmlns:a14="http://schemas.microsoft.com/office/drawing/2010/main" w="9525">
+                <a14:hiddenLine xmlns:a14="http://schemas.microsoft.com/office/drawing/2010/main" xmlns="" w="9525">
                   <a:solidFill>
                     <a:srgbClr val="000000"/>
                   </a:solidFill>
@@ -654,7 +654,7 @@
             </a:ln>
             <a:extLst>
               <a:ext uri="{91240B29-F687-4f45-9708-019B960494DF}">
-                <a14:hiddenLine xmlns="" xmlns:a14="http://schemas.microsoft.com/office/drawing/2010/main" w="9525">
+                <a14:hiddenLine xmlns:a14="http://schemas.microsoft.com/office/drawing/2010/main" xmlns="" w="9525">
                   <a:solidFill>
                     <a:srgbClr val="000000"/>
                   </a:solidFill>
@@ -744,7 +744,7 @@
             </a:ln>
             <a:extLst>
               <a:ext uri="{91240B29-F687-4f45-9708-019B960494DF}">
-                <a14:hiddenLine xmlns="" xmlns:a14="http://schemas.microsoft.com/office/drawing/2010/main" w="9525">
+                <a14:hiddenLine xmlns:a14="http://schemas.microsoft.com/office/drawing/2010/main" xmlns="" w="9525">
                   <a:solidFill>
                     <a:srgbClr val="000000"/>
                   </a:solidFill>
@@ -806,7 +806,7 @@
             </a:ln>
             <a:extLst>
               <a:ext uri="{91240B29-F687-4f45-9708-019B960494DF}">
-                <a14:hiddenLine xmlns="" xmlns:a14="http://schemas.microsoft.com/office/drawing/2010/main" w="9525">
+                <a14:hiddenLine xmlns:a14="http://schemas.microsoft.com/office/drawing/2010/main" xmlns="" w="9525">
                   <a:solidFill>
                     <a:srgbClr val="000000"/>
                   </a:solidFill>
@@ -868,7 +868,7 @@
             </a:ln>
             <a:extLst>
               <a:ext uri="{91240B29-F687-4f45-9708-019B960494DF}">
-                <a14:hiddenLine xmlns="" xmlns:a14="http://schemas.microsoft.com/office/drawing/2010/main" w="9525">
+                <a14:hiddenLine xmlns:a14="http://schemas.microsoft.com/office/drawing/2010/main" xmlns="" w="9525">
                   <a:solidFill>
                     <a:srgbClr val="000000"/>
                   </a:solidFill>
@@ -958,7 +958,7 @@
             </a:ln>
             <a:extLst>
               <a:ext uri="{91240B29-F687-4f45-9708-019B960494DF}">
-                <a14:hiddenLine xmlns="" xmlns:a14="http://schemas.microsoft.com/office/drawing/2010/main" w="9525">
+                <a14:hiddenLine xmlns:a14="http://schemas.microsoft.com/office/drawing/2010/main" xmlns="" w="9525">
                   <a:solidFill>
                     <a:srgbClr val="000000"/>
                   </a:solidFill>
@@ -1048,7 +1048,7 @@
             </a:ln>
             <a:extLst>
               <a:ext uri="{91240B29-F687-4f45-9708-019B960494DF}">
-                <a14:hiddenLine xmlns="" xmlns:a14="http://schemas.microsoft.com/office/drawing/2010/main" w="9525">
+                <a14:hiddenLine xmlns:a14="http://schemas.microsoft.com/office/drawing/2010/main" xmlns="" w="9525">
                   <a:solidFill>
                     <a:srgbClr val="000000"/>
                   </a:solidFill>
@@ -1110,7 +1110,7 @@
             </a:ln>
             <a:extLst>
               <a:ext uri="{91240B29-F687-4f45-9708-019B960494DF}">
-                <a14:hiddenLine xmlns="" xmlns:a14="http://schemas.microsoft.com/office/drawing/2010/main" w="9525">
+                <a14:hiddenLine xmlns:a14="http://schemas.microsoft.com/office/drawing/2010/main" xmlns="" w="9525">
                   <a:solidFill>
                     <a:srgbClr val="000000"/>
                   </a:solidFill>
@@ -1220,7 +1220,7 @@
             </a:ln>
             <a:extLst>
               <a:ext uri="{91240B29-F687-4f45-9708-019B960494DF}">
-                <a14:hiddenLine xmlns="" xmlns:a14="http://schemas.microsoft.com/office/drawing/2010/main" w="9525">
+                <a14:hiddenLine xmlns:a14="http://schemas.microsoft.com/office/drawing/2010/main" xmlns="" w="9525">
                   <a:solidFill>
                     <a:srgbClr val="000000"/>
                   </a:solidFill>
@@ -1282,7 +1282,7 @@
             </a:ln>
             <a:extLst>
               <a:ext uri="{91240B29-F687-4f45-9708-019B960494DF}">
-                <a14:hiddenLine xmlns="" xmlns:a14="http://schemas.microsoft.com/office/drawing/2010/main" w="9525">
+                <a14:hiddenLine xmlns:a14="http://schemas.microsoft.com/office/drawing/2010/main" xmlns="" w="9525">
                   <a:solidFill>
                     <a:srgbClr val="000000"/>
                   </a:solidFill>
@@ -1372,7 +1372,7 @@
             </a:ln>
             <a:extLst>
               <a:ext uri="{91240B29-F687-4f45-9708-019B960494DF}">
-                <a14:hiddenLine xmlns="" xmlns:a14="http://schemas.microsoft.com/office/drawing/2010/main" w="9525">
+                <a14:hiddenLine xmlns:a14="http://schemas.microsoft.com/office/drawing/2010/main" xmlns="" w="9525">
                   <a:solidFill>
                     <a:srgbClr val="000000"/>
                   </a:solidFill>
@@ -1462,7 +1462,7 @@
             </a:ln>
             <a:extLst>
               <a:ext uri="{91240B29-F687-4f45-9708-019B960494DF}">
-                <a14:hiddenLine xmlns="" xmlns:a14="http://schemas.microsoft.com/office/drawing/2010/main" w="9525">
+                <a14:hiddenLine xmlns:a14="http://schemas.microsoft.com/office/drawing/2010/main" xmlns="" w="9525">
                   <a:solidFill>
                     <a:srgbClr val="000000"/>
                   </a:solidFill>
@@ -1524,7 +1524,7 @@
             </a:ln>
             <a:extLst>
               <a:ext uri="{91240B29-F687-4f45-9708-019B960494DF}">
-                <a14:hiddenLine xmlns="" xmlns:a14="http://schemas.microsoft.com/office/drawing/2010/main" w="9525">
+                <a14:hiddenLine xmlns:a14="http://schemas.microsoft.com/office/drawing/2010/main" xmlns="" w="9525">
                   <a:solidFill>
                     <a:srgbClr val="000000"/>
                   </a:solidFill>
@@ -1614,7 +1614,7 @@
             </a:ln>
             <a:extLst>
               <a:ext uri="{91240B29-F687-4f45-9708-019B960494DF}">
-                <a14:hiddenLine xmlns="" xmlns:a14="http://schemas.microsoft.com/office/drawing/2010/main" w="9525">
+                <a14:hiddenLine xmlns:a14="http://schemas.microsoft.com/office/drawing/2010/main" xmlns="" w="9525">
                   <a:solidFill>
                     <a:srgbClr val="000000"/>
                   </a:solidFill>
@@ -1704,7 +1704,7 @@
             </a:ln>
             <a:extLst>
               <a:ext uri="{91240B29-F687-4f45-9708-019B960494DF}">
-                <a14:hiddenLine xmlns="" xmlns:a14="http://schemas.microsoft.com/office/drawing/2010/main" w="9525">
+                <a14:hiddenLine xmlns:a14="http://schemas.microsoft.com/office/drawing/2010/main" xmlns="" w="9525">
                   <a:solidFill>
                     <a:srgbClr val="000000"/>
                   </a:solidFill>
@@ -1760,7 +1760,7 @@
             </a:ln>
             <a:extLst>
               <a:ext uri="{91240B29-F687-4f45-9708-019B960494DF}">
-                <a14:hiddenLine xmlns="" xmlns:a14="http://schemas.microsoft.com/office/drawing/2010/main" w="9525">
+                <a14:hiddenLine xmlns:a14="http://schemas.microsoft.com/office/drawing/2010/main" xmlns="" w="9525">
                   <a:solidFill>
                     <a:srgbClr val="000000"/>
                   </a:solidFill>
@@ -1850,7 +1850,7 @@
             </a:ln>
             <a:extLst>
               <a:ext uri="{91240B29-F687-4f45-9708-019B960494DF}">
-                <a14:hiddenLine xmlns="" xmlns:a14="http://schemas.microsoft.com/office/drawing/2010/main" w="9525">
+                <a14:hiddenLine xmlns:a14="http://schemas.microsoft.com/office/drawing/2010/main" xmlns="" w="9525">
                   <a:solidFill>
                     <a:srgbClr val="000000"/>
                   </a:solidFill>
@@ -1906,7 +1906,7 @@
             </a:ln>
             <a:extLst>
               <a:ext uri="{91240B29-F687-4f45-9708-019B960494DF}">
-                <a14:hiddenLine xmlns="" xmlns:a14="http://schemas.microsoft.com/office/drawing/2010/main" w="9525">
+                <a14:hiddenLine xmlns:a14="http://schemas.microsoft.com/office/drawing/2010/main" xmlns="" w="9525">
                   <a:solidFill>
                     <a:srgbClr val="000000"/>
                   </a:solidFill>
@@ -1996,7 +1996,7 @@
             </a:ln>
             <a:extLst>
               <a:ext uri="{91240B29-F687-4f45-9708-019B960494DF}">
-                <a14:hiddenLine xmlns="" xmlns:a14="http://schemas.microsoft.com/office/drawing/2010/main" w="9525">
+                <a14:hiddenLine xmlns:a14="http://schemas.microsoft.com/office/drawing/2010/main" xmlns="" w="9525">
                   <a:solidFill>
                     <a:srgbClr val="000000"/>
                   </a:solidFill>
@@ -2064,7 +2064,7 @@
             </a:ln>
             <a:extLst>
               <a:ext uri="{91240B29-F687-4f45-9708-019B960494DF}">
-                <a14:hiddenLine xmlns="" xmlns:a14="http://schemas.microsoft.com/office/drawing/2010/main" w="9525">
+                <a14:hiddenLine xmlns:a14="http://schemas.microsoft.com/office/drawing/2010/main" xmlns="" w="9525">
                   <a:solidFill>
                     <a:srgbClr val="000000"/>
                   </a:solidFill>
@@ -2154,7 +2154,7 @@
             </a:ln>
             <a:extLst>
               <a:ext uri="{91240B29-F687-4f45-9708-019B960494DF}">
-                <a14:hiddenLine xmlns="" xmlns:a14="http://schemas.microsoft.com/office/drawing/2010/main" w="9525">
+                <a14:hiddenLine xmlns:a14="http://schemas.microsoft.com/office/drawing/2010/main" xmlns="" w="9525">
                   <a:solidFill>
                     <a:srgbClr val="000000"/>
                   </a:solidFill>
@@ -2222,7 +2222,7 @@
             </a:ln>
             <a:extLst>
               <a:ext uri="{91240B29-F687-4f45-9708-019B960494DF}">
-                <a14:hiddenLine xmlns="" xmlns:a14="http://schemas.microsoft.com/office/drawing/2010/main" w="9525">
+                <a14:hiddenLine xmlns:a14="http://schemas.microsoft.com/office/drawing/2010/main" xmlns="" w="9525">
                   <a:solidFill>
                     <a:srgbClr val="000000"/>
                   </a:solidFill>
@@ -2312,7 +2312,7 @@
             </a:ln>
             <a:extLst>
               <a:ext uri="{91240B29-F687-4f45-9708-019B960494DF}">
-                <a14:hiddenLine xmlns="" xmlns:a14="http://schemas.microsoft.com/office/drawing/2010/main" w="9525">
+                <a14:hiddenLine xmlns:a14="http://schemas.microsoft.com/office/drawing/2010/main" xmlns="" w="9525">
                   <a:solidFill>
                     <a:srgbClr val="000000"/>
                   </a:solidFill>
@@ -2346,7 +2346,7 @@
             </a:ln>
             <a:extLst>
               <a:ext uri="{91240B29-F687-4f45-9708-019B960494DF}">
-                <a14:hiddenLine xmlns="" xmlns:a14="http://schemas.microsoft.com/office/drawing/2010/main" w="9525">
+                <a14:hiddenLine xmlns:a14="http://schemas.microsoft.com/office/drawing/2010/main" xmlns="" w="9525">
                   <a:solidFill>
                     <a:srgbClr val="000000"/>
                   </a:solidFill>
@@ -2436,7 +2436,7 @@
             </a:ln>
             <a:extLst>
               <a:ext uri="{91240B29-F687-4f45-9708-019B960494DF}">
-                <a14:hiddenLine xmlns="" xmlns:a14="http://schemas.microsoft.com/office/drawing/2010/main" w="9525">
+                <a14:hiddenLine xmlns:a14="http://schemas.microsoft.com/office/drawing/2010/main" xmlns="" w="9525">
                   <a:solidFill>
                     <a:srgbClr val="000000"/>
                   </a:solidFill>
@@ -2498,7 +2498,7 @@
             </a:ln>
             <a:extLst>
               <a:ext uri="{91240B29-F687-4f45-9708-019B960494DF}">
-                <a14:hiddenLine xmlns="" xmlns:a14="http://schemas.microsoft.com/office/drawing/2010/main" w="9525">
+                <a14:hiddenLine xmlns:a14="http://schemas.microsoft.com/office/drawing/2010/main" xmlns="" w="9525">
                   <a:solidFill>
                     <a:srgbClr val="000000"/>
                   </a:solidFill>
@@ -2560,7 +2560,7 @@
             </a:ln>
             <a:extLst>
               <a:ext uri="{91240B29-F687-4f45-9708-019B960494DF}">
-                <a14:hiddenLine xmlns="" xmlns:a14="http://schemas.microsoft.com/office/drawing/2010/main" w="9525">
+                <a14:hiddenLine xmlns:a14="http://schemas.microsoft.com/office/drawing/2010/main" xmlns="" w="9525">
                   <a:solidFill>
                     <a:srgbClr val="000000"/>
                   </a:solidFill>
@@ -2650,7 +2650,7 @@
             </a:ln>
             <a:extLst>
               <a:ext uri="{91240B29-F687-4f45-9708-019B960494DF}">
-                <a14:hiddenLine xmlns="" xmlns:a14="http://schemas.microsoft.com/office/drawing/2010/main" w="9525">
+                <a14:hiddenLine xmlns:a14="http://schemas.microsoft.com/office/drawing/2010/main" xmlns="" w="9525">
                   <a:solidFill>
                     <a:srgbClr val="000000"/>
                   </a:solidFill>
@@ -2718,7 +2718,7 @@
             </a:ln>
             <a:extLst>
               <a:ext uri="{91240B29-F687-4f45-9708-019B960494DF}">
-                <a14:hiddenLine xmlns="" xmlns:a14="http://schemas.microsoft.com/office/drawing/2010/main" w="9525">
+                <a14:hiddenLine xmlns:a14="http://schemas.microsoft.com/office/drawing/2010/main" xmlns="" w="9525">
                   <a:solidFill>
                     <a:srgbClr val="000000"/>
                   </a:solidFill>
@@ -2780,7 +2780,7 @@
             </a:ln>
             <a:extLst>
               <a:ext uri="{91240B29-F687-4f45-9708-019B960494DF}">
-                <a14:hiddenLine xmlns="" xmlns:a14="http://schemas.microsoft.com/office/drawing/2010/main" w="9525">
+                <a14:hiddenLine xmlns:a14="http://schemas.microsoft.com/office/drawing/2010/main" xmlns="" w="9525">
                   <a:solidFill>
                     <a:srgbClr val="000000"/>
                   </a:solidFill>
@@ -2870,7 +2870,7 @@
             </a:ln>
             <a:extLst>
               <a:ext uri="{91240B29-F687-4f45-9708-019B960494DF}">
-                <a14:hiddenLine xmlns="" xmlns:a14="http://schemas.microsoft.com/office/drawing/2010/main" w="9525">
+                <a14:hiddenLine xmlns:a14="http://schemas.microsoft.com/office/drawing/2010/main" xmlns="" w="9525">
                   <a:solidFill>
                     <a:srgbClr val="000000"/>
                   </a:solidFill>
@@ -2932,7 +2932,7 @@
             </a:ln>
             <a:extLst>
               <a:ext uri="{91240B29-F687-4f45-9708-019B960494DF}">
-                <a14:hiddenLine xmlns="" xmlns:a14="http://schemas.microsoft.com/office/drawing/2010/main" w="9525">
+                <a14:hiddenLine xmlns:a14="http://schemas.microsoft.com/office/drawing/2010/main" xmlns="" w="9525">
                   <a:solidFill>
                     <a:srgbClr val="000000"/>
                   </a:solidFill>
@@ -3022,7 +3022,7 @@
             </a:ln>
             <a:extLst>
               <a:ext uri="{91240B29-F687-4f45-9708-019B960494DF}">
-                <a14:hiddenLine xmlns="" xmlns:a14="http://schemas.microsoft.com/office/drawing/2010/main" w="9525">
+                <a14:hiddenLine xmlns:a14="http://schemas.microsoft.com/office/drawing/2010/main" xmlns="" w="9525">
                   <a:solidFill>
                     <a:srgbClr val="000000"/>
                   </a:solidFill>
@@ -3084,7 +3084,7 @@
             </a:ln>
             <a:extLst>
               <a:ext uri="{91240B29-F687-4f45-9708-019B960494DF}">
-                <a14:hiddenLine xmlns="" xmlns:a14="http://schemas.microsoft.com/office/drawing/2010/main" w="9525">
+                <a14:hiddenLine xmlns:a14="http://schemas.microsoft.com/office/drawing/2010/main" xmlns="" w="9525">
                   <a:solidFill>
                     <a:srgbClr val="000000"/>
                   </a:solidFill>
@@ -3174,7 +3174,7 @@
             </a:ln>
             <a:extLst>
               <a:ext uri="{91240B29-F687-4f45-9708-019B960494DF}">
-                <a14:hiddenLine xmlns="" xmlns:a14="http://schemas.microsoft.com/office/drawing/2010/main" w="9525">
+                <a14:hiddenLine xmlns:a14="http://schemas.microsoft.com/office/drawing/2010/main" xmlns="" w="9525">
                   <a:solidFill>
                     <a:srgbClr val="000000"/>
                   </a:solidFill>
@@ -3208,7 +3208,7 @@
             </a:ln>
             <a:extLst>
               <a:ext uri="{91240B29-F687-4f45-9708-019B960494DF}">
-                <a14:hiddenLine xmlns="" xmlns:a14="http://schemas.microsoft.com/office/drawing/2010/main" w="9525">
+                <a14:hiddenLine xmlns:a14="http://schemas.microsoft.com/office/drawing/2010/main" xmlns="" w="9525">
                   <a:solidFill>
                     <a:srgbClr val="000000"/>
                   </a:solidFill>
@@ -3273,7 +3273,7 @@
             </a:ln>
             <a:extLst>
               <a:ext uri="{91240B29-F687-4f45-9708-019B960494DF}">
-                <a14:hiddenLine xmlns="" xmlns:a14="http://schemas.microsoft.com/office/drawing/2010/main" w="9525">
+                <a14:hiddenLine xmlns:a14="http://schemas.microsoft.com/office/drawing/2010/main" xmlns="" w="9525">
                   <a:solidFill>
                     <a:srgbClr val="000000"/>
                   </a:solidFill>
@@ -3363,7 +3363,7 @@
             </a:ln>
             <a:extLst>
               <a:ext uri="{91240B29-F687-4f45-9708-019B960494DF}">
-                <a14:hiddenLine xmlns="" xmlns:a14="http://schemas.microsoft.com/office/drawing/2010/main" w="9525">
+                <a14:hiddenLine xmlns:a14="http://schemas.microsoft.com/office/drawing/2010/main" xmlns="" w="9525">
                   <a:solidFill>
                     <a:srgbClr val="000000"/>
                   </a:solidFill>
@@ -3425,7 +3425,7 @@
             </a:ln>
             <a:extLst>
               <a:ext uri="{91240B29-F687-4f45-9708-019B960494DF}">
-                <a14:hiddenLine xmlns="" xmlns:a14="http://schemas.microsoft.com/office/drawing/2010/main" w="9525">
+                <a14:hiddenLine xmlns:a14="http://schemas.microsoft.com/office/drawing/2010/main" xmlns="" w="9525">
                   <a:solidFill>
                     <a:srgbClr val="000000"/>
                   </a:solidFill>
@@ -3515,7 +3515,7 @@
             </a:ln>
             <a:extLst>
               <a:ext uri="{91240B29-F687-4f45-9708-019B960494DF}">
-                <a14:hiddenLine xmlns="" xmlns:a14="http://schemas.microsoft.com/office/drawing/2010/main" w="9525">
+                <a14:hiddenLine xmlns:a14="http://schemas.microsoft.com/office/drawing/2010/main" xmlns="" w="9525">
                   <a:solidFill>
                     <a:srgbClr val="000000"/>
                   </a:solidFill>
@@ -3605,7 +3605,7 @@
             </a:ln>
             <a:extLst>
               <a:ext uri="{91240B29-F687-4f45-9708-019B960494DF}">
-                <a14:hiddenLine xmlns="" xmlns:a14="http://schemas.microsoft.com/office/drawing/2010/main" w="9525">
+                <a14:hiddenLine xmlns:a14="http://schemas.microsoft.com/office/drawing/2010/main" xmlns="" w="9525">
                   <a:solidFill>
                     <a:srgbClr val="000000"/>
                   </a:solidFill>
@@ -3670,7 +3670,7 @@
             </a:ln>
             <a:extLst>
               <a:ext uri="{91240B29-F687-4f45-9708-019B960494DF}">
-                <a14:hiddenLine xmlns="" xmlns:a14="http://schemas.microsoft.com/office/drawing/2010/main" w="9525">
+                <a14:hiddenLine xmlns:a14="http://schemas.microsoft.com/office/drawing/2010/main" xmlns="" w="9525">
                   <a:solidFill>
                     <a:srgbClr val="000000"/>
                   </a:solidFill>
@@ -3732,7 +3732,7 @@
             </a:ln>
             <a:extLst>
               <a:ext uri="{91240B29-F687-4f45-9708-019B960494DF}">
-                <a14:hiddenLine xmlns="" xmlns:a14="http://schemas.microsoft.com/office/drawing/2010/main" w="9525">
+                <a14:hiddenLine xmlns:a14="http://schemas.microsoft.com/office/drawing/2010/main" xmlns="" w="9525">
                   <a:solidFill>
                     <a:srgbClr val="000000"/>
                   </a:solidFill>
@@ -3822,7 +3822,7 @@
             </a:ln>
             <a:extLst>
               <a:ext uri="{91240B29-F687-4f45-9708-019B960494DF}">
-                <a14:hiddenLine xmlns="" xmlns:a14="http://schemas.microsoft.com/office/drawing/2010/main" w="9525">
+                <a14:hiddenLine xmlns:a14="http://schemas.microsoft.com/office/drawing/2010/main" xmlns="" w="9525">
                   <a:solidFill>
                     <a:srgbClr val="000000"/>
                   </a:solidFill>
@@ -3912,7 +3912,7 @@
             </a:ln>
             <a:extLst>
               <a:ext uri="{91240B29-F687-4f45-9708-019B960494DF}">
-                <a14:hiddenLine xmlns="" xmlns:a14="http://schemas.microsoft.com/office/drawing/2010/main" w="9525">
+                <a14:hiddenLine xmlns:a14="http://schemas.microsoft.com/office/drawing/2010/main" xmlns="" w="9525">
                   <a:solidFill>
                     <a:srgbClr val="000000"/>
                   </a:solidFill>
@@ -3974,7 +3974,7 @@
             </a:ln>
             <a:extLst>
               <a:ext uri="{91240B29-F687-4f45-9708-019B960494DF}">
-                <a14:hiddenLine xmlns="" xmlns:a14="http://schemas.microsoft.com/office/drawing/2010/main" w="9525">
+                <a14:hiddenLine xmlns:a14="http://schemas.microsoft.com/office/drawing/2010/main" xmlns="" w="9525">
                   <a:solidFill>
                     <a:srgbClr val="000000"/>
                   </a:solidFill>
@@ -4094,7 +4094,7 @@
             </a:ln>
             <a:extLst>
               <a:ext uri="{91240B29-F687-4f45-9708-019B960494DF}">
-                <a14:hiddenLine xmlns="" xmlns:a14="http://schemas.microsoft.com/office/drawing/2010/main" w="9525">
+                <a14:hiddenLine xmlns:a14="http://schemas.microsoft.com/office/drawing/2010/main" xmlns="" w="9525">
                   <a:solidFill>
                     <a:srgbClr val="000000"/>
                   </a:solidFill>
@@ -4162,7 +4162,7 @@
             </a:ln>
             <a:extLst>
               <a:ext uri="{91240B29-F687-4f45-9708-019B960494DF}">
-                <a14:hiddenLine xmlns="" xmlns:a14="http://schemas.microsoft.com/office/drawing/2010/main" w="9525">
+                <a14:hiddenLine xmlns:a14="http://schemas.microsoft.com/office/drawing/2010/main" xmlns="" w="9525">
                   <a:solidFill>
                     <a:srgbClr val="000000"/>
                   </a:solidFill>
@@ -4252,7 +4252,7 @@
             </a:ln>
             <a:extLst>
               <a:ext uri="{91240B29-F687-4f45-9708-019B960494DF}">
-                <a14:hiddenLine xmlns="" xmlns:a14="http://schemas.microsoft.com/office/drawing/2010/main" w="9525">
+                <a14:hiddenLine xmlns:a14="http://schemas.microsoft.com/office/drawing/2010/main" xmlns="" w="9525">
                   <a:solidFill>
                     <a:srgbClr val="000000"/>
                   </a:solidFill>
@@ -8974,7 +8974,7 @@
           <a:noFill/>
           <a:extLst>
             <a:ext uri="{909E8E84-426E-40dd-AFC4-6F175D3DCCD1}">
-              <a14:hiddenFill xmlns="" xmlns:a14="http://schemas.microsoft.com/office/drawing/2010/main">
+              <a14:hiddenFill xmlns:a14="http://schemas.microsoft.com/office/drawing/2010/main" xmlns="">
                 <a:solidFill>
                   <a:srgbClr val="FFFFFF"/>
                 </a:solidFill>
@@ -9048,7 +9048,7 @@
               </a:ln>
               <a:extLst>
                 <a:ext uri="{91240B29-F687-4f45-9708-019B960494DF}">
-                  <a14:hiddenLine xmlns="" xmlns:a14="http://schemas.microsoft.com/office/drawing/2010/main" w="9525">
+                  <a14:hiddenLine xmlns:a14="http://schemas.microsoft.com/office/drawing/2010/main" xmlns="" w="9525">
                     <a:solidFill>
                       <a:srgbClr val="000000"/>
                     </a:solidFill>
@@ -9138,7 +9138,7 @@
               </a:ln>
               <a:extLst>
                 <a:ext uri="{91240B29-F687-4f45-9708-019B960494DF}">
-                  <a14:hiddenLine xmlns="" xmlns:a14="http://schemas.microsoft.com/office/drawing/2010/main" w="9525">
+                  <a14:hiddenLine xmlns:a14="http://schemas.microsoft.com/office/drawing/2010/main" xmlns="" w="9525">
                     <a:solidFill>
                       <a:srgbClr val="000000"/>
                     </a:solidFill>
@@ -9228,7 +9228,7 @@
               </a:ln>
               <a:extLst>
                 <a:ext uri="{91240B29-F687-4f45-9708-019B960494DF}">
-                  <a14:hiddenLine xmlns="" xmlns:a14="http://schemas.microsoft.com/office/drawing/2010/main" w="9525">
+                  <a14:hiddenLine xmlns:a14="http://schemas.microsoft.com/office/drawing/2010/main" xmlns="" w="9525">
                     <a:solidFill>
                       <a:srgbClr val="000000"/>
                     </a:solidFill>
@@ -9290,7 +9290,7 @@
               </a:ln>
               <a:extLst>
                 <a:ext uri="{91240B29-F687-4f45-9708-019B960494DF}">
-                  <a14:hiddenLine xmlns="" xmlns:a14="http://schemas.microsoft.com/office/drawing/2010/main" w="9525">
+                  <a14:hiddenLine xmlns:a14="http://schemas.microsoft.com/office/drawing/2010/main" xmlns="" w="9525">
                     <a:solidFill>
                       <a:srgbClr val="000000"/>
                     </a:solidFill>
@@ -9380,7 +9380,7 @@
               </a:ln>
               <a:extLst>
                 <a:ext uri="{91240B29-F687-4f45-9708-019B960494DF}">
-                  <a14:hiddenLine xmlns="" xmlns:a14="http://schemas.microsoft.com/office/drawing/2010/main" w="9525">
+                  <a14:hiddenLine xmlns:a14="http://schemas.microsoft.com/office/drawing/2010/main" xmlns="" w="9525">
                     <a:solidFill>
                       <a:srgbClr val="000000"/>
                     </a:solidFill>
@@ -9442,7 +9442,7 @@
               </a:ln>
               <a:extLst>
                 <a:ext uri="{91240B29-F687-4f45-9708-019B960494DF}">
-                  <a14:hiddenLine xmlns="" xmlns:a14="http://schemas.microsoft.com/office/drawing/2010/main" w="9525">
+                  <a14:hiddenLine xmlns:a14="http://schemas.microsoft.com/office/drawing/2010/main" xmlns="" w="9525">
                     <a:solidFill>
                       <a:srgbClr val="000000"/>
                     </a:solidFill>
@@ -9504,7 +9504,7 @@
               </a:ln>
               <a:extLst>
                 <a:ext uri="{91240B29-F687-4f45-9708-019B960494DF}">
-                  <a14:hiddenLine xmlns="" xmlns:a14="http://schemas.microsoft.com/office/drawing/2010/main" w="9525">
+                  <a14:hiddenLine xmlns:a14="http://schemas.microsoft.com/office/drawing/2010/main" xmlns="" w="9525">
                     <a:solidFill>
                       <a:srgbClr val="000000"/>
                     </a:solidFill>
@@ -9594,7 +9594,7 @@
               </a:ln>
               <a:extLst>
                 <a:ext uri="{91240B29-F687-4f45-9708-019B960494DF}">
-                  <a14:hiddenLine xmlns="" xmlns:a14="http://schemas.microsoft.com/office/drawing/2010/main" w="9525">
+                  <a14:hiddenLine xmlns:a14="http://schemas.microsoft.com/office/drawing/2010/main" xmlns="" w="9525">
                     <a:solidFill>
                       <a:srgbClr val="000000"/>
                     </a:solidFill>
@@ -9684,7 +9684,7 @@
               </a:ln>
               <a:extLst>
                 <a:ext uri="{91240B29-F687-4f45-9708-019B960494DF}">
-                  <a14:hiddenLine xmlns="" xmlns:a14="http://schemas.microsoft.com/office/drawing/2010/main" w="9525">
+                  <a14:hiddenLine xmlns:a14="http://schemas.microsoft.com/office/drawing/2010/main" xmlns="" w="9525">
                     <a:solidFill>
                       <a:srgbClr val="000000"/>
                     </a:solidFill>
@@ -9746,7 +9746,7 @@
               </a:ln>
               <a:extLst>
                 <a:ext uri="{91240B29-F687-4f45-9708-019B960494DF}">
-                  <a14:hiddenLine xmlns="" xmlns:a14="http://schemas.microsoft.com/office/drawing/2010/main" w="9525">
+                  <a14:hiddenLine xmlns:a14="http://schemas.microsoft.com/office/drawing/2010/main" xmlns="" w="9525">
                     <a:solidFill>
                       <a:srgbClr val="000000"/>
                     </a:solidFill>
@@ -9856,7 +9856,7 @@
               </a:ln>
               <a:extLst>
                 <a:ext uri="{91240B29-F687-4f45-9708-019B960494DF}">
-                  <a14:hiddenLine xmlns="" xmlns:a14="http://schemas.microsoft.com/office/drawing/2010/main" w="9525">
+                  <a14:hiddenLine xmlns:a14="http://schemas.microsoft.com/office/drawing/2010/main" xmlns="" w="9525">
                     <a:solidFill>
                       <a:srgbClr val="000000"/>
                     </a:solidFill>
@@ -9940,7 +9940,7 @@
               </a:ln>
               <a:extLst>
                 <a:ext uri="{91240B29-F687-4f45-9708-019B960494DF}">
-                  <a14:hiddenLine xmlns="" xmlns:a14="http://schemas.microsoft.com/office/drawing/2010/main" w="9525">
+                  <a14:hiddenLine xmlns:a14="http://schemas.microsoft.com/office/drawing/2010/main" xmlns="" w="9525">
                     <a:solidFill>
                       <a:srgbClr val="000000"/>
                     </a:solidFill>
@@ -10002,7 +10002,7 @@
               </a:ln>
               <a:extLst>
                 <a:ext uri="{91240B29-F687-4f45-9708-019B960494DF}">
-                  <a14:hiddenLine xmlns="" xmlns:a14="http://schemas.microsoft.com/office/drawing/2010/main" w="9525">
+                  <a14:hiddenLine xmlns:a14="http://schemas.microsoft.com/office/drawing/2010/main" xmlns="" w="9525">
                     <a:solidFill>
                       <a:srgbClr val="000000"/>
                     </a:solidFill>
@@ -10064,7 +10064,7 @@
               </a:ln>
               <a:extLst>
                 <a:ext uri="{91240B29-F687-4f45-9708-019B960494DF}">
-                  <a14:hiddenLine xmlns="" xmlns:a14="http://schemas.microsoft.com/office/drawing/2010/main" w="9525">
+                  <a14:hiddenLine xmlns:a14="http://schemas.microsoft.com/office/drawing/2010/main" xmlns="" w="9525">
                     <a:solidFill>
                       <a:srgbClr val="000000"/>
                     </a:solidFill>
@@ -10154,7 +10154,7 @@
               </a:ln>
               <a:extLst>
                 <a:ext uri="{91240B29-F687-4f45-9708-019B960494DF}">
-                  <a14:hiddenLine xmlns="" xmlns:a14="http://schemas.microsoft.com/office/drawing/2010/main" w="9525">
+                  <a14:hiddenLine xmlns:a14="http://schemas.microsoft.com/office/drawing/2010/main" xmlns="" w="9525">
                     <a:solidFill>
                       <a:srgbClr val="000000"/>
                     </a:solidFill>
@@ -10188,7 +10188,7 @@
               </a:ln>
               <a:extLst>
                 <a:ext uri="{91240B29-F687-4f45-9708-019B960494DF}">
-                  <a14:hiddenLine xmlns="" xmlns:a14="http://schemas.microsoft.com/office/drawing/2010/main" w="9525">
+                  <a14:hiddenLine xmlns:a14="http://schemas.microsoft.com/office/drawing/2010/main" xmlns="" w="9525">
                     <a:solidFill>
                       <a:srgbClr val="000000"/>
                     </a:solidFill>
@@ -10253,7 +10253,7 @@
               </a:ln>
               <a:extLst>
                 <a:ext uri="{91240B29-F687-4f45-9708-019B960494DF}">
-                  <a14:hiddenLine xmlns="" xmlns:a14="http://schemas.microsoft.com/office/drawing/2010/main" w="9525">
+                  <a14:hiddenLine xmlns:a14="http://schemas.microsoft.com/office/drawing/2010/main" xmlns="" w="9525">
                     <a:solidFill>
                       <a:srgbClr val="000000"/>
                     </a:solidFill>
@@ -10343,7 +10343,7 @@
               </a:ln>
               <a:extLst>
                 <a:ext uri="{91240B29-F687-4f45-9708-019B960494DF}">
-                  <a14:hiddenLine xmlns="" xmlns:a14="http://schemas.microsoft.com/office/drawing/2010/main" w="9525">
+                  <a14:hiddenLine xmlns:a14="http://schemas.microsoft.com/office/drawing/2010/main" xmlns="" w="9525">
                     <a:solidFill>
                       <a:srgbClr val="000000"/>
                     </a:solidFill>
@@ -10405,7 +10405,7 @@
               </a:ln>
               <a:extLst>
                 <a:ext uri="{91240B29-F687-4f45-9708-019B960494DF}">
-                  <a14:hiddenLine xmlns="" xmlns:a14="http://schemas.microsoft.com/office/drawing/2010/main" w="9525">
+                  <a14:hiddenLine xmlns:a14="http://schemas.microsoft.com/office/drawing/2010/main" xmlns="" w="9525">
                     <a:solidFill>
                       <a:srgbClr val="000000"/>
                     </a:solidFill>
@@ -10495,7 +10495,7 @@
               </a:ln>
               <a:extLst>
                 <a:ext uri="{91240B29-F687-4f45-9708-019B960494DF}">
-                  <a14:hiddenLine xmlns="" xmlns:a14="http://schemas.microsoft.com/office/drawing/2010/main" w="9525">
+                  <a14:hiddenLine xmlns:a14="http://schemas.microsoft.com/office/drawing/2010/main" xmlns="" w="9525">
                     <a:solidFill>
                       <a:srgbClr val="000000"/>
                     </a:solidFill>
@@ -10560,7 +10560,7 @@
               </a:ln>
               <a:extLst>
                 <a:ext uri="{91240B29-F687-4f45-9708-019B960494DF}">
-                  <a14:hiddenLine xmlns="" xmlns:a14="http://schemas.microsoft.com/office/drawing/2010/main" w="9525">
+                  <a14:hiddenLine xmlns:a14="http://schemas.microsoft.com/office/drawing/2010/main" xmlns="" w="9525">
                     <a:solidFill>
                       <a:srgbClr val="000000"/>
                     </a:solidFill>
@@ -10622,7 +10622,7 @@
               </a:ln>
               <a:extLst>
                 <a:ext uri="{91240B29-F687-4f45-9708-019B960494DF}">
-                  <a14:hiddenLine xmlns="" xmlns:a14="http://schemas.microsoft.com/office/drawing/2010/main" w="9525">
+                  <a14:hiddenLine xmlns:a14="http://schemas.microsoft.com/office/drawing/2010/main" xmlns="" w="9525">
                     <a:solidFill>
                       <a:srgbClr val="000000"/>
                     </a:solidFill>
@@ -10712,7 +10712,7 @@
               </a:ln>
               <a:extLst>
                 <a:ext uri="{91240B29-F687-4f45-9708-019B960494DF}">
-                  <a14:hiddenLine xmlns="" xmlns:a14="http://schemas.microsoft.com/office/drawing/2010/main" w="9525">
+                  <a14:hiddenLine xmlns:a14="http://schemas.microsoft.com/office/drawing/2010/main" xmlns="" w="9525">
                     <a:solidFill>
                       <a:srgbClr val="000000"/>
                     </a:solidFill>
@@ -10802,7 +10802,7 @@
               </a:ln>
               <a:extLst>
                 <a:ext uri="{91240B29-F687-4f45-9708-019B960494DF}">
-                  <a14:hiddenLine xmlns="" xmlns:a14="http://schemas.microsoft.com/office/drawing/2010/main" w="9525">
+                  <a14:hiddenLine xmlns:a14="http://schemas.microsoft.com/office/drawing/2010/main" xmlns="" w="9525">
                     <a:solidFill>
                       <a:srgbClr val="000000"/>
                     </a:solidFill>
@@ -10867,7 +10867,7 @@
               </a:ln>
               <a:extLst>
                 <a:ext uri="{91240B29-F687-4f45-9708-019B960494DF}">
-                  <a14:hiddenLine xmlns="" xmlns:a14="http://schemas.microsoft.com/office/drawing/2010/main" w="9525">
+                  <a14:hiddenLine xmlns:a14="http://schemas.microsoft.com/office/drawing/2010/main" xmlns="" w="9525">
                     <a:solidFill>
                       <a:srgbClr val="000000"/>
                     </a:solidFill>
@@ -10987,7 +10987,7 @@
               </a:ln>
               <a:extLst>
                 <a:ext uri="{91240B29-F687-4f45-9708-019B960494DF}">
-                  <a14:hiddenLine xmlns="" xmlns:a14="http://schemas.microsoft.com/office/drawing/2010/main" w="9525">
+                  <a14:hiddenLine xmlns:a14="http://schemas.microsoft.com/office/drawing/2010/main" xmlns="" w="9525">
                     <a:solidFill>
                       <a:srgbClr val="000000"/>
                     </a:solidFill>
@@ -11085,7 +11085,7 @@
               </a:ln>
               <a:extLst>
                 <a:ext uri="{91240B29-F687-4f45-9708-019B960494DF}">
-                  <a14:hiddenLine xmlns="" xmlns:a14="http://schemas.microsoft.com/office/drawing/2010/main" w="9525">
+                  <a14:hiddenLine xmlns:a14="http://schemas.microsoft.com/office/drawing/2010/main" xmlns="" w="9525">
                     <a:solidFill>
                       <a:srgbClr val="000000"/>
                     </a:solidFill>
@@ -11200,7 +11200,7 @@
               </a:ln>
               <a:extLst>
                 <a:ext uri="{91240B29-F687-4f45-9708-019B960494DF}">
-                  <a14:hiddenLine xmlns="" xmlns:a14="http://schemas.microsoft.com/office/drawing/2010/main" w="9525">
+                  <a14:hiddenLine xmlns:a14="http://schemas.microsoft.com/office/drawing/2010/main" xmlns="" w="9525">
                     <a:solidFill>
                       <a:srgbClr val="000000"/>
                     </a:solidFill>
@@ -11290,7 +11290,7 @@
               </a:ln>
               <a:extLst>
                 <a:ext uri="{91240B29-F687-4f45-9708-019B960494DF}">
-                  <a14:hiddenLine xmlns="" xmlns:a14="http://schemas.microsoft.com/office/drawing/2010/main" w="9525">
+                  <a14:hiddenLine xmlns:a14="http://schemas.microsoft.com/office/drawing/2010/main" xmlns="" w="9525">
                     <a:solidFill>
                       <a:srgbClr val="000000"/>
                     </a:solidFill>
@@ -11355,7 +11355,7 @@
               </a:ln>
               <a:extLst>
                 <a:ext uri="{91240B29-F687-4f45-9708-019B960494DF}">
-                  <a14:hiddenLine xmlns="" xmlns:a14="http://schemas.microsoft.com/office/drawing/2010/main" w="9525">
+                  <a14:hiddenLine xmlns:a14="http://schemas.microsoft.com/office/drawing/2010/main" xmlns="" w="9525">
                     <a:solidFill>
                       <a:srgbClr val="000000"/>
                     </a:solidFill>
@@ -11445,7 +11445,7 @@
               </a:ln>
               <a:extLst>
                 <a:ext uri="{91240B29-F687-4f45-9708-019B960494DF}">
-                  <a14:hiddenLine xmlns="" xmlns:a14="http://schemas.microsoft.com/office/drawing/2010/main" w="9525">
+                  <a14:hiddenLine xmlns:a14="http://schemas.microsoft.com/office/drawing/2010/main" xmlns="" w="9525">
                     <a:solidFill>
                       <a:srgbClr val="000000"/>
                     </a:solidFill>
@@ -11513,7 +11513,7 @@
               </a:ln>
               <a:extLst>
                 <a:ext uri="{91240B29-F687-4f45-9708-019B960494DF}">
-                  <a14:hiddenLine xmlns="" xmlns:a14="http://schemas.microsoft.com/office/drawing/2010/main" w="9525">
+                  <a14:hiddenLine xmlns:a14="http://schemas.microsoft.com/office/drawing/2010/main" xmlns="" w="9525">
                     <a:solidFill>
                       <a:srgbClr val="000000"/>
                     </a:solidFill>
@@ -11603,7 +11603,7 @@
               </a:ln>
               <a:extLst>
                 <a:ext uri="{91240B29-F687-4f45-9708-019B960494DF}">
-                  <a14:hiddenLine xmlns="" xmlns:a14="http://schemas.microsoft.com/office/drawing/2010/main" w="9525">
+                  <a14:hiddenLine xmlns:a14="http://schemas.microsoft.com/office/drawing/2010/main" xmlns="" w="9525">
                     <a:solidFill>
                       <a:srgbClr val="000000"/>
                     </a:solidFill>
@@ -11671,7 +11671,7 @@
               </a:ln>
               <a:extLst>
                 <a:ext uri="{91240B29-F687-4f45-9708-019B960494DF}">
-                  <a14:hiddenLine xmlns="" xmlns:a14="http://schemas.microsoft.com/office/drawing/2010/main" w="9525">
+                  <a14:hiddenLine xmlns:a14="http://schemas.microsoft.com/office/drawing/2010/main" xmlns="" w="9525">
                     <a:solidFill>
                       <a:srgbClr val="000000"/>
                     </a:solidFill>
@@ -11761,7 +11761,7 @@
               </a:ln>
               <a:extLst>
                 <a:ext uri="{91240B29-F687-4f45-9708-019B960494DF}">
-                  <a14:hiddenLine xmlns="" xmlns:a14="http://schemas.microsoft.com/office/drawing/2010/main" w="9525">
+                  <a14:hiddenLine xmlns:a14="http://schemas.microsoft.com/office/drawing/2010/main" xmlns="" w="9525">
                     <a:solidFill>
                       <a:srgbClr val="000000"/>
                     </a:solidFill>
@@ -11795,7 +11795,7 @@
               </a:ln>
               <a:extLst>
                 <a:ext uri="{91240B29-F687-4f45-9708-019B960494DF}">
-                  <a14:hiddenLine xmlns="" xmlns:a14="http://schemas.microsoft.com/office/drawing/2010/main" w="9525">
+                  <a14:hiddenLine xmlns:a14="http://schemas.microsoft.com/office/drawing/2010/main" xmlns="" w="9525">
                     <a:solidFill>
                       <a:srgbClr val="000000"/>
                     </a:solidFill>
@@ -12407,15 +12407,7 @@
           <a:p>
             <a:r>
               <a:rPr lang="ru-RU" sz="2400" b="1" dirty="0"/>
-              <a:t>Исследовательский анализ факторов потребления шоколада в городах с </a:t>
-            </a:r>
-            <a:r>
-              <a:rPr lang="ru-RU" sz="2400" b="1" dirty="0" smtClean="0"/>
-              <a:t>метро</a:t>
-            </a:r>
-            <a:r>
-              <a:rPr lang="ru-RU" dirty="0"/>
-              <a:t/>
+              <a:t>Исследовательский анализ факторов потребления шоколада в городах с метро</a:t>
             </a:r>
             <a:br>
               <a:rPr lang="ru-RU" dirty="0"/>
@@ -12784,10 +12776,6 @@
           </a:p>
           <a:p>
             <a:pPr algn="r"/>
-            <a:r>
-              <a:rPr lang="ru-RU" dirty="0"/>
-              <a:t/>
-            </a:r>
             <a:br>
               <a:rPr lang="ru-RU" dirty="0"/>
             </a:br>
@@ -12808,13 +12796,6 @@
   <p:transition spd="slow">
     <p:wipe/>
   </p:transition>
-  <p:timing>
-    <p:tnLst>
-      <p:par>
-        <p:cTn id="1" dur="indefinite" restart="never" nodeType="tmRoot"/>
-      </p:par>
-    </p:tnLst>
-  </p:timing>
 </p:sld>
 </file>
 
@@ -13006,25 +12987,18 @@
   <p:clrMapOvr>
     <a:masterClrMapping/>
   </p:clrMapOvr>
-  <mc:AlternateContent xmlns:mc="http://schemas.openxmlformats.org/markup-compatibility/2006">
-    <mc:Choice xmlns:p14="http://schemas.microsoft.com/office/powerpoint/2010/main" Requires="p14">
+  <mc:AlternateContent xmlns:mc="http://schemas.openxmlformats.org/markup-compatibility/2006" xmlns:p14="http://schemas.microsoft.com/office/powerpoint/2010/main">
+    <mc:Choice Requires="p14">
       <p:transition spd="slow" p14:dur="1500">
         <p:split orient="vert"/>
       </p:transition>
     </mc:Choice>
-    <mc:Fallback>
+    <mc:Fallback xmlns="">
       <p:transition spd="slow">
         <p:split orient="vert"/>
       </p:transition>
     </mc:Fallback>
   </mc:AlternateContent>
-  <p:timing>
-    <p:tnLst>
-      <p:par>
-        <p:cTn id="1" dur="indefinite" restart="never" nodeType="tmRoot"/>
-      </p:par>
-    </p:tnLst>
-  </p:timing>
 </p:sld>
 </file>
 
@@ -13143,7 +13117,7 @@
               <a:t>Python (Pandas, SciPy, </a:t>
             </a:r>
             <a:r>
-              <a:rPr lang="en-US" sz="2200" dirty="0" err="1" smtClean="0"/>
+              <a:rPr lang="en-US" sz="2200" dirty="0" err="1"/>
               <a:t>Statsmodels</a:t>
             </a:r>
             <a:r>
@@ -13193,18 +13167,14 @@
             </a:pPr>
             <a:r>
               <a:rPr lang="en-US" sz="2200" dirty="0"/>
-              <a:t>Microsoft </a:t>
+              <a:t>Microsoft Excel</a:t>
             </a:r>
             <a:r>
-              <a:rPr lang="en-US" sz="2200" dirty="0" smtClean="0"/>
-              <a:t>Excel</a:t>
-            </a:r>
-            <a:r>
-              <a:rPr lang="ru-RU" sz="2200" dirty="0" smtClean="0"/>
+              <a:rPr lang="ru-RU" sz="2200" dirty="0"/>
               <a:t> (</a:t>
             </a:r>
             <a:r>
-              <a:rPr lang="en-US" sz="2200" dirty="0" smtClean="0"/>
+              <a:rPr lang="en-US" sz="2200" dirty="0"/>
               <a:t>Power Query)</a:t>
             </a:r>
             <a:endParaRPr lang="ru-RU" sz="2200" dirty="0"/>
@@ -13335,13 +13305,6 @@
   <p:transition spd="slow">
     <p:wipe/>
   </p:transition>
-  <p:timing>
-    <p:tnLst>
-      <p:par>
-        <p:cTn id="1" dur="indefinite" restart="never" nodeType="tmRoot"/>
-      </p:par>
-    </p:tnLst>
-  </p:timing>
 </p:sld>
 </file>
 
@@ -13378,7 +13341,7 @@
             <p:ph idx="1"/>
             <p:extLst>
               <p:ext uri="{D42A27DB-BD31-4B8C-83A1-F6EECF244321}">
-                <p14:modId xmlns:p14="http://schemas.microsoft.com/office/powerpoint/2010/main" val="1308761530"/>
+                <p14:modId xmlns:p14="http://schemas.microsoft.com/office/powerpoint/2010/main" val="3847509700"/>
               </p:ext>
             </p:extLst>
           </p:nvPr>
@@ -13493,10 +13456,9 @@
                     <a:p>
                       <a:pPr algn="ctr"/>
                       <a:r>
-                        <a:rPr lang="ru-RU" dirty="0" smtClean="0"/>
+                        <a:rPr lang="ru-RU" dirty="0"/>
                         <a:t>Дата начала</a:t>
                       </a:r>
-                      <a:endParaRPr lang="ru-RU" dirty="0"/>
                     </a:p>
                   </a:txBody>
                   <a:tcPr anchor="ctr">
@@ -13549,11 +13511,11 @@
                     <a:p>
                       <a:pPr algn="ctr"/>
                       <a:r>
-                        <a:rPr lang="ru-RU" dirty="0" smtClean="0"/>
+                        <a:rPr lang="ru-RU" dirty="0"/>
                         <a:t>Срок</a:t>
                       </a:r>
                       <a:r>
-                        <a:rPr lang="ru-RU" baseline="0" dirty="0" smtClean="0"/>
+                        <a:rPr lang="ru-RU" baseline="0" dirty="0"/>
                         <a:t> выполнения</a:t>
                       </a:r>
                       <a:endParaRPr lang="ru-RU" dirty="0"/>
@@ -13609,10 +13571,9 @@
                     <a:p>
                       <a:pPr algn="ctr"/>
                       <a:r>
-                        <a:rPr lang="ru-RU" dirty="0" smtClean="0"/>
+                        <a:rPr lang="ru-RU" dirty="0"/>
                         <a:t>Дни</a:t>
                       </a:r>
-                      <a:endParaRPr lang="ru-RU" dirty="0"/>
                     </a:p>
                   </a:txBody>
                   <a:tcPr anchor="ctr">
@@ -13665,10 +13626,9 @@
                     <a:p>
                       <a:pPr algn="ctr"/>
                       <a:r>
-                        <a:rPr lang="ru-RU" dirty="0" smtClean="0"/>
+                        <a:rPr lang="ru-RU" dirty="0"/>
                         <a:t>Статус</a:t>
                       </a:r>
-                      <a:endParaRPr lang="ru-RU" dirty="0"/>
                     </a:p>
                   </a:txBody>
                   <a:tcPr anchor="ctr">
@@ -13727,11 +13687,11 @@
                     <a:lstStyle/>
                     <a:p>
                       <a:r>
-                        <a:rPr lang="ru-RU" dirty="0" smtClean="0"/>
+                        <a:rPr lang="ru-RU" dirty="0"/>
                         <a:t>Сбор</a:t>
                       </a:r>
                       <a:r>
-                        <a:rPr lang="ru-RU" baseline="0" dirty="0" smtClean="0"/>
+                        <a:rPr lang="ru-RU" baseline="0" dirty="0"/>
                         <a:t> данных</a:t>
                       </a:r>
                       <a:endParaRPr lang="ru-RU" dirty="0"/>
@@ -13787,10 +13747,9 @@
                     <a:p>
                       <a:pPr algn="ctr"/>
                       <a:r>
-                        <a:rPr lang="ru-RU" dirty="0" smtClean="0"/>
+                        <a:rPr lang="ru-RU" dirty="0"/>
                         <a:t>24.06.2025</a:t>
                       </a:r>
-                      <a:endParaRPr lang="ru-RU" dirty="0"/>
                     </a:p>
                   </a:txBody>
                   <a:tcPr anchor="ctr">
@@ -13846,10 +13805,9 @@
                     <a:p>
                       <a:pPr algn="ctr"/>
                       <a:r>
-                        <a:rPr lang="ru-RU" dirty="0" smtClean="0"/>
+                        <a:rPr lang="ru-RU" dirty="0"/>
                         <a:t>28.06.2025</a:t>
                       </a:r>
-                      <a:endParaRPr lang="ru-RU" dirty="0"/>
                     </a:p>
                   </a:txBody>
                   <a:tcPr anchor="ctr">
@@ -13905,10 +13863,9 @@
                     <a:p>
                       <a:pPr algn="ctr"/>
                       <a:r>
-                        <a:rPr lang="ru-RU" dirty="0" smtClean="0"/>
+                        <a:rPr lang="ru-RU" dirty="0"/>
                         <a:t>5</a:t>
                       </a:r>
-                      <a:endParaRPr lang="ru-RU" dirty="0"/>
                     </a:p>
                   </a:txBody>
                   <a:tcPr anchor="ctr">
@@ -13964,10 +13921,9 @@
                     <a:p>
                       <a:pPr algn="ctr"/>
                       <a:r>
-                        <a:rPr lang="ru-RU" dirty="0" smtClean="0"/>
+                        <a:rPr lang="ru-RU" dirty="0"/>
                         <a:t>Выполнено</a:t>
                       </a:r>
-                      <a:endParaRPr lang="ru-RU" dirty="0"/>
                     </a:p>
                   </a:txBody>
                   <a:tcPr anchor="ctr">
@@ -14029,11 +13985,11 @@
                     <a:lstStyle/>
                     <a:p>
                       <a:r>
-                        <a:rPr lang="ru-RU" dirty="0" smtClean="0"/>
+                        <a:rPr lang="ru-RU" dirty="0"/>
                         <a:t>Формулировка цели</a:t>
                       </a:r>
                       <a:r>
-                        <a:rPr lang="ru-RU" baseline="0" dirty="0" smtClean="0"/>
+                        <a:rPr lang="ru-RU" baseline="0" dirty="0"/>
                         <a:t> и постановка задач</a:t>
                       </a:r>
                       <a:endParaRPr lang="ru-RU" dirty="0"/>
@@ -14089,10 +14045,9 @@
                     <a:p>
                       <a:pPr algn="ctr"/>
                       <a:r>
-                        <a:rPr lang="ru-RU" dirty="0" smtClean="0"/>
+                        <a:rPr lang="ru-RU" dirty="0"/>
                         <a:t>30.06.2025</a:t>
                       </a:r>
-                      <a:endParaRPr lang="ru-RU" dirty="0"/>
                     </a:p>
                   </a:txBody>
                   <a:tcPr anchor="ctr">
@@ -14148,10 +14103,9 @@
                     <a:p>
                       <a:pPr algn="ctr"/>
                       <a:r>
-                        <a:rPr lang="ru-RU" dirty="0" smtClean="0"/>
+                        <a:rPr lang="ru-RU" dirty="0"/>
                         <a:t>12.07.2025</a:t>
                       </a:r>
-                      <a:endParaRPr lang="ru-RU" dirty="0"/>
                     </a:p>
                   </a:txBody>
                   <a:tcPr anchor="ctr">
@@ -14207,10 +14161,9 @@
                     <a:p>
                       <a:pPr algn="ctr"/>
                       <a:r>
-                        <a:rPr lang="ru-RU" dirty="0" smtClean="0"/>
+                        <a:rPr lang="ru-RU" dirty="0"/>
                         <a:t>13</a:t>
                       </a:r>
-                      <a:endParaRPr lang="ru-RU" dirty="0"/>
                     </a:p>
                   </a:txBody>
                   <a:tcPr anchor="ctr">
@@ -14282,7 +14235,7 @@
                         <a:defRPr/>
                       </a:pPr>
                       <a:r>
-                        <a:rPr lang="ru-RU" dirty="0" smtClean="0"/>
+                        <a:rPr lang="ru-RU" dirty="0"/>
                         <a:t>Выполняется</a:t>
                       </a:r>
                     </a:p>
@@ -14346,10 +14299,9 @@
                     <a:lstStyle/>
                     <a:p>
                       <a:r>
-                        <a:rPr lang="ru-RU" dirty="0" smtClean="0"/>
+                        <a:rPr lang="ru-RU" dirty="0"/>
                         <a:t>Определение применяемых инструментов</a:t>
                       </a:r>
-                      <a:endParaRPr lang="ru-RU" dirty="0"/>
                     </a:p>
                   </a:txBody>
                   <a:tcPr>
@@ -14402,10 +14354,9 @@
                     <a:p>
                       <a:pPr algn="ctr"/>
                       <a:r>
-                        <a:rPr lang="ru-RU" dirty="0" smtClean="0"/>
+                        <a:rPr lang="ru-RU" dirty="0"/>
                         <a:t>02.07.2025</a:t>
                       </a:r>
-                      <a:endParaRPr lang="ru-RU" dirty="0"/>
                     </a:p>
                   </a:txBody>
                   <a:tcPr anchor="ctr">
@@ -14461,10 +14412,9 @@
                     <a:p>
                       <a:pPr algn="ctr"/>
                       <a:r>
-                        <a:rPr lang="ru-RU" dirty="0" smtClean="0"/>
+                        <a:rPr lang="ru-RU" dirty="0"/>
                         <a:t>27.07.2025</a:t>
                       </a:r>
-                      <a:endParaRPr lang="ru-RU" dirty="0"/>
                     </a:p>
                   </a:txBody>
                   <a:tcPr anchor="ctr">
@@ -14520,10 +14470,9 @@
                     <a:p>
                       <a:pPr algn="ctr"/>
                       <a:r>
-                        <a:rPr lang="ru-RU" dirty="0" smtClean="0"/>
+                        <a:rPr lang="ru-RU" dirty="0"/>
                         <a:t>26</a:t>
                       </a:r>
-                      <a:endParaRPr lang="ru-RU" dirty="0"/>
                     </a:p>
                   </a:txBody>
                   <a:tcPr anchor="ctr">
@@ -14595,7 +14544,7 @@
                         <a:defRPr/>
                       </a:pPr>
                       <a:r>
-                        <a:rPr lang="ru-RU" dirty="0" smtClean="0"/>
+                        <a:rPr lang="ru-RU" dirty="0"/>
                         <a:t>Выполняется</a:t>
                       </a:r>
                     </a:p>
@@ -14659,10 +14608,9 @@
                     <a:lstStyle/>
                     <a:p>
                       <a:r>
-                        <a:rPr lang="ru-RU" dirty="0" smtClean="0"/>
+                        <a:rPr lang="ru-RU" dirty="0"/>
                         <a:t>Предзащита идеи проекта</a:t>
                       </a:r>
-                      <a:endParaRPr lang="ru-RU" dirty="0"/>
                     </a:p>
                   </a:txBody>
                   <a:tcPr>
@@ -14715,10 +14663,9 @@
                     <a:p>
                       <a:pPr algn="ctr"/>
                       <a:r>
-                        <a:rPr lang="ru-RU" dirty="0" smtClean="0"/>
+                        <a:rPr lang="ru-RU" dirty="0"/>
                         <a:t>07.07.2025</a:t>
                       </a:r>
-                      <a:endParaRPr lang="ru-RU" dirty="0"/>
                     </a:p>
                   </a:txBody>
                   <a:tcPr anchor="ctr">
@@ -14774,10 +14721,9 @@
                     <a:p>
                       <a:pPr algn="ctr"/>
                       <a:r>
-                        <a:rPr lang="ru-RU" dirty="0" smtClean="0"/>
+                        <a:rPr lang="ru-RU" dirty="0"/>
                         <a:t>07.07.2025</a:t>
                       </a:r>
-                      <a:endParaRPr lang="ru-RU" dirty="0"/>
                     </a:p>
                   </a:txBody>
                   <a:tcPr anchor="ctr">
@@ -14833,10 +14779,9 @@
                     <a:p>
                       <a:pPr algn="ctr"/>
                       <a:r>
-                        <a:rPr lang="ru-RU" dirty="0" smtClean="0"/>
+                        <a:rPr lang="ru-RU" dirty="0"/>
                         <a:t>1</a:t>
                       </a:r>
-                      <a:endParaRPr lang="ru-RU" dirty="0"/>
                     </a:p>
                   </a:txBody>
                   <a:tcPr anchor="ctr">
@@ -14892,10 +14837,9 @@
                     <a:p>
                       <a:pPr algn="ctr"/>
                       <a:r>
-                        <a:rPr lang="ru-RU" dirty="0" smtClean="0"/>
+                        <a:rPr lang="ru-RU" dirty="0"/>
                         <a:t>Выполняется</a:t>
                       </a:r>
-                      <a:endParaRPr lang="ru-RU" dirty="0"/>
                     </a:p>
                   </a:txBody>
                   <a:tcPr anchor="ctr">
@@ -14957,11 +14901,11 @@
                     <a:lstStyle/>
                     <a:p>
                       <a:r>
-                        <a:rPr lang="ru-RU" dirty="0" smtClean="0"/>
+                        <a:rPr lang="ru-RU" dirty="0"/>
                         <a:t>Подготовка</a:t>
                       </a:r>
                       <a:r>
-                        <a:rPr lang="ru-RU" baseline="0" dirty="0" smtClean="0"/>
+                        <a:rPr lang="ru-RU" baseline="0" dirty="0"/>
                         <a:t> данных</a:t>
                       </a:r>
                       <a:endParaRPr lang="ru-RU" dirty="0"/>
@@ -15017,10 +14961,9 @@
                     <a:p>
                       <a:pPr algn="ctr"/>
                       <a:r>
-                        <a:rPr lang="ru-RU" dirty="0" smtClean="0"/>
+                        <a:rPr lang="ru-RU" dirty="0"/>
                         <a:t>04.07.2025</a:t>
                       </a:r>
-                      <a:endParaRPr lang="ru-RU" dirty="0"/>
                     </a:p>
                   </a:txBody>
                   <a:tcPr anchor="ctr">
@@ -15076,10 +15019,9 @@
                     <a:p>
                       <a:pPr algn="ctr"/>
                       <a:r>
-                        <a:rPr lang="ru-RU" dirty="0" smtClean="0"/>
+                        <a:rPr lang="ru-RU" dirty="0"/>
                         <a:t>12.07.2025</a:t>
                       </a:r>
-                      <a:endParaRPr lang="ru-RU" dirty="0"/>
                     </a:p>
                   </a:txBody>
                   <a:tcPr anchor="ctr">
@@ -15135,10 +15077,9 @@
                     <a:p>
                       <a:pPr algn="ctr"/>
                       <a:r>
-                        <a:rPr lang="ru-RU" dirty="0" smtClean="0"/>
+                        <a:rPr lang="ru-RU" dirty="0"/>
                         <a:t>9</a:t>
                       </a:r>
-                      <a:endParaRPr lang="ru-RU" dirty="0"/>
                     </a:p>
                   </a:txBody>
                   <a:tcPr anchor="ctr">
@@ -15194,10 +15135,9 @@
                     <a:p>
                       <a:pPr algn="ctr"/>
                       <a:r>
-                        <a:rPr lang="ru-RU" dirty="0" smtClean="0"/>
+                        <a:rPr lang="ru-RU" dirty="0"/>
                         <a:t>Выполняется</a:t>
                       </a:r>
-                      <a:endParaRPr lang="ru-RU" dirty="0"/>
                     </a:p>
                   </a:txBody>
                   <a:tcPr anchor="ctr">
@@ -15259,11 +15199,11 @@
                     <a:lstStyle/>
                     <a:p>
                       <a:r>
-                        <a:rPr lang="ru-RU" dirty="0" smtClean="0"/>
+                        <a:rPr lang="ru-RU" dirty="0"/>
                         <a:t>Очистка</a:t>
                       </a:r>
                       <a:r>
-                        <a:rPr lang="ru-RU" baseline="0" dirty="0" smtClean="0"/>
+                        <a:rPr lang="ru-RU" baseline="0" dirty="0"/>
                         <a:t> и стандартизация данных</a:t>
                       </a:r>
                       <a:endParaRPr lang="ru-RU" dirty="0"/>
@@ -15319,10 +15259,9 @@
                     <a:p>
                       <a:pPr algn="ctr"/>
                       <a:r>
-                        <a:rPr lang="ru-RU" dirty="0" smtClean="0"/>
+                        <a:rPr lang="ru-RU" dirty="0"/>
                         <a:t>13.07.2025</a:t>
                       </a:r>
-                      <a:endParaRPr lang="ru-RU" dirty="0"/>
                     </a:p>
                   </a:txBody>
                   <a:tcPr anchor="ctr">
@@ -15378,10 +15317,9 @@
                     <a:p>
                       <a:pPr algn="ctr"/>
                       <a:r>
-                        <a:rPr lang="ru-RU" dirty="0" smtClean="0"/>
+                        <a:rPr lang="ru-RU" dirty="0"/>
                         <a:t>18.07.2025</a:t>
                       </a:r>
-                      <a:endParaRPr lang="ru-RU" dirty="0"/>
                     </a:p>
                   </a:txBody>
                   <a:tcPr anchor="ctr">
@@ -15437,10 +15375,9 @@
                     <a:p>
                       <a:pPr algn="ctr"/>
                       <a:r>
-                        <a:rPr lang="ru-RU" dirty="0" smtClean="0"/>
+                        <a:rPr lang="ru-RU" dirty="0"/>
                         <a:t>6</a:t>
                       </a:r>
-                      <a:endParaRPr lang="ru-RU" dirty="0"/>
                     </a:p>
                   </a:txBody>
                   <a:tcPr anchor="ctr">
@@ -15496,10 +15433,9 @@
                     <a:p>
                       <a:pPr algn="ctr"/>
                       <a:r>
-                        <a:rPr lang="ru-RU" dirty="0" smtClean="0"/>
+                        <a:rPr lang="ru-RU" dirty="0"/>
                         <a:t>Не начато</a:t>
                       </a:r>
-                      <a:endParaRPr lang="ru-RU" dirty="0"/>
                     </a:p>
                   </a:txBody>
                   <a:tcPr anchor="ctr">
@@ -15561,10 +15497,9 @@
                     <a:lstStyle/>
                     <a:p>
                       <a:r>
-                        <a:rPr lang="ru-RU" dirty="0" smtClean="0"/>
+                        <a:rPr lang="ru-RU" dirty="0"/>
                         <a:t>Анализ данных</a:t>
                       </a:r>
-                      <a:endParaRPr lang="ru-RU" dirty="0"/>
                     </a:p>
                   </a:txBody>
                   <a:tcPr>
@@ -15617,10 +15552,9 @@
                     <a:p>
                       <a:pPr algn="ctr"/>
                       <a:r>
-                        <a:rPr lang="ru-RU" dirty="0" smtClean="0"/>
+                        <a:rPr lang="ru-RU" dirty="0"/>
                         <a:t>19.07.2025</a:t>
                       </a:r>
-                      <a:endParaRPr lang="ru-RU" dirty="0"/>
                     </a:p>
                   </a:txBody>
                   <a:tcPr anchor="ctr">
@@ -15676,10 +15610,17 @@
                     <a:p>
                       <a:pPr algn="ctr"/>
                       <a:r>
-                        <a:rPr lang="ru-RU" dirty="0" smtClean="0"/>
-                        <a:t>27.07.2025</a:t>
+                        <a:rPr lang="ru-RU" dirty="0"/>
+                        <a:t>2</a:t>
                       </a:r>
-                      <a:endParaRPr lang="ru-RU" dirty="0"/>
+                      <a:r>
+                        <a:rPr lang="en-US" dirty="0"/>
+                        <a:t>4</a:t>
+                      </a:r>
+                      <a:r>
+                        <a:rPr lang="ru-RU" dirty="0"/>
+                        <a:t>.07.2025</a:t>
+                      </a:r>
                     </a:p>
                   </a:txBody>
                   <a:tcPr anchor="ctr">
@@ -15735,8 +15676,8 @@
                     <a:p>
                       <a:pPr algn="ctr"/>
                       <a:r>
-                        <a:rPr lang="ru-RU" dirty="0" smtClean="0"/>
-                        <a:t>9</a:t>
+                        <a:rPr lang="en-US" dirty="0"/>
+                        <a:t>6</a:t>
                       </a:r>
                       <a:endParaRPr lang="ru-RU" dirty="0"/>
                     </a:p>
@@ -15794,10 +15735,9 @@
                     <a:p>
                       <a:pPr algn="ctr"/>
                       <a:r>
-                        <a:rPr lang="ru-RU" dirty="0" smtClean="0"/>
+                        <a:rPr lang="ru-RU" dirty="0"/>
                         <a:t>Не начато</a:t>
                       </a:r>
-                      <a:endParaRPr lang="ru-RU" dirty="0"/>
                     </a:p>
                   </a:txBody>
                   <a:tcPr anchor="ctr">
@@ -15859,11 +15799,11 @@
                     <a:lstStyle/>
                     <a:p>
                       <a:r>
-                        <a:rPr lang="ru-RU" dirty="0" smtClean="0"/>
+                        <a:rPr lang="ru-RU" dirty="0"/>
                         <a:t>Интерпретация</a:t>
                       </a:r>
                       <a:r>
-                        <a:rPr lang="ru-RU" baseline="0" dirty="0" smtClean="0"/>
+                        <a:rPr lang="ru-RU" baseline="0" dirty="0"/>
                         <a:t> результатов</a:t>
                       </a:r>
                       <a:endParaRPr lang="ru-RU" dirty="0"/>
@@ -15919,10 +15859,17 @@
                     <a:p>
                       <a:pPr algn="ctr"/>
                       <a:r>
-                        <a:rPr lang="ru-RU" dirty="0" smtClean="0"/>
-                        <a:t>28.07.2025</a:t>
+                        <a:rPr lang="ru-RU" dirty="0"/>
+                        <a:t>2</a:t>
                       </a:r>
-                      <a:endParaRPr lang="ru-RU" dirty="0"/>
+                      <a:r>
+                        <a:rPr lang="en-US" dirty="0"/>
+                        <a:t>4</a:t>
+                      </a:r>
+                      <a:r>
+                        <a:rPr lang="ru-RU" dirty="0"/>
+                        <a:t>.07.2025</a:t>
+                      </a:r>
                     </a:p>
                   </a:txBody>
                   <a:tcPr anchor="ctr">
@@ -15978,10 +15925,21 @@
                     <a:p>
                       <a:pPr algn="ctr"/>
                       <a:r>
-                        <a:rPr lang="ru-RU" dirty="0" smtClean="0"/>
-                        <a:t>03.08.2025</a:t>
+                        <a:rPr lang="en-US" dirty="0"/>
+                        <a:t>28</a:t>
                       </a:r>
-                      <a:endParaRPr lang="ru-RU" dirty="0"/>
+                      <a:r>
+                        <a:rPr lang="ru-RU" dirty="0"/>
+                        <a:t>.0</a:t>
+                      </a:r>
+                      <a:r>
+                        <a:rPr lang="en-US" dirty="0"/>
+                        <a:t>7</a:t>
+                      </a:r>
+                      <a:r>
+                        <a:rPr lang="ru-RU" dirty="0"/>
+                        <a:t>.2025</a:t>
+                      </a:r>
                     </a:p>
                   </a:txBody>
                   <a:tcPr anchor="ctr">
@@ -16037,8 +15995,8 @@
                     <a:p>
                       <a:pPr algn="ctr"/>
                       <a:r>
-                        <a:rPr lang="ru-RU" dirty="0" smtClean="0"/>
-                        <a:t>7</a:t>
+                        <a:rPr lang="en-US" dirty="0"/>
+                        <a:t>5</a:t>
                       </a:r>
                       <a:endParaRPr lang="ru-RU" dirty="0"/>
                     </a:p>
@@ -16112,7 +16070,7 @@
                         <a:defRPr/>
                       </a:pPr>
                       <a:r>
-                        <a:rPr lang="ru-RU" dirty="0" smtClean="0"/>
+                        <a:rPr lang="ru-RU" dirty="0"/>
                         <a:t>Не начато</a:t>
                       </a:r>
                     </a:p>
@@ -16176,10 +16134,9 @@
                     <a:lstStyle/>
                     <a:p>
                       <a:r>
-                        <a:rPr lang="ru-RU" dirty="0" smtClean="0"/>
+                        <a:rPr lang="ru-RU" dirty="0"/>
                         <a:t>Презентация результатов</a:t>
                       </a:r>
-                      <a:endParaRPr lang="ru-RU" dirty="0"/>
                     </a:p>
                   </a:txBody>
                   <a:tcPr>
@@ -16232,10 +16189,21 @@
                     <a:p>
                       <a:pPr algn="ctr"/>
                       <a:r>
-                        <a:rPr lang="ru-RU" dirty="0" smtClean="0"/>
-                        <a:t>04.08.2025</a:t>
+                        <a:rPr lang="en-US" dirty="0"/>
+                        <a:t>29</a:t>
                       </a:r>
-                      <a:endParaRPr lang="ru-RU" dirty="0"/>
+                      <a:r>
+                        <a:rPr lang="ru-RU" dirty="0"/>
+                        <a:t>.0</a:t>
+                      </a:r>
+                      <a:r>
+                        <a:rPr lang="en-US" dirty="0"/>
+                        <a:t>7</a:t>
+                      </a:r>
+                      <a:r>
+                        <a:rPr lang="ru-RU" dirty="0"/>
+                        <a:t>.2025</a:t>
+                      </a:r>
                     </a:p>
                   </a:txBody>
                   <a:tcPr anchor="ctr">
@@ -16291,10 +16259,17 @@
                     <a:p>
                       <a:pPr algn="ctr"/>
                       <a:r>
-                        <a:rPr lang="ru-RU" dirty="0" smtClean="0"/>
-                        <a:t>09.08.2025</a:t>
+                        <a:rPr lang="ru-RU" dirty="0"/>
+                        <a:t>0</a:t>
                       </a:r>
-                      <a:endParaRPr lang="ru-RU" dirty="0"/>
+                      <a:r>
+                        <a:rPr lang="en-US" dirty="0"/>
+                        <a:t>3</a:t>
+                      </a:r>
+                      <a:r>
+                        <a:rPr lang="ru-RU" dirty="0"/>
+                        <a:t>.08.2025</a:t>
+                      </a:r>
                     </a:p>
                   </a:txBody>
                   <a:tcPr anchor="ctr">
@@ -16350,10 +16325,9 @@
                     <a:p>
                       <a:pPr algn="ctr"/>
                       <a:r>
-                        <a:rPr lang="ru-RU" dirty="0" smtClean="0"/>
+                        <a:rPr lang="ru-RU" dirty="0"/>
                         <a:t>6</a:t>
                       </a:r>
-                      <a:endParaRPr lang="ru-RU" dirty="0"/>
                     </a:p>
                   </a:txBody>
                   <a:tcPr anchor="ctr">
@@ -16425,7 +16399,7 @@
                         <a:defRPr/>
                       </a:pPr>
                       <a:r>
-                        <a:rPr lang="ru-RU" dirty="0" smtClean="0"/>
+                        <a:rPr lang="ru-RU" dirty="0"/>
                         <a:t>Не начато</a:t>
                       </a:r>
                     </a:p>
@@ -16489,10 +16463,9 @@
                     <a:lstStyle/>
                     <a:p>
                       <a:r>
-                        <a:rPr lang="ru-RU" dirty="0" smtClean="0"/>
+                        <a:rPr lang="ru-RU" dirty="0"/>
                         <a:t>Защита проекта</a:t>
                       </a:r>
-                      <a:endParaRPr lang="ru-RU" dirty="0"/>
                     </a:p>
                   </a:txBody>
                   <a:tcPr>
@@ -16545,10 +16518,13 @@
                     <a:p>
                       <a:pPr algn="ctr"/>
                       <a:r>
-                        <a:rPr lang="ru-RU" dirty="0" smtClean="0"/>
-                        <a:t>11.08.2025</a:t>
+                        <a:rPr lang="en-US" dirty="0"/>
+                        <a:t>04</a:t>
                       </a:r>
-                      <a:endParaRPr lang="ru-RU" dirty="0"/>
+                      <a:r>
+                        <a:rPr lang="ru-RU" dirty="0"/>
+                        <a:t>.08.2025</a:t>
+                      </a:r>
                     </a:p>
                   </a:txBody>
                   <a:tcPr anchor="ctr">
@@ -16604,10 +16580,13 @@
                     <a:p>
                       <a:pPr algn="ctr"/>
                       <a:r>
-                        <a:rPr lang="ru-RU" dirty="0" smtClean="0"/>
-                        <a:t>11.08.2025</a:t>
+                        <a:rPr lang="en-US" dirty="0"/>
+                        <a:t>04</a:t>
                       </a:r>
-                      <a:endParaRPr lang="ru-RU" dirty="0"/>
+                      <a:r>
+                        <a:rPr lang="ru-RU" dirty="0"/>
+                        <a:t>.08.2025</a:t>
+                      </a:r>
                     </a:p>
                   </a:txBody>
                   <a:tcPr anchor="ctr">
@@ -16663,10 +16642,9 @@
                     <a:p>
                       <a:pPr algn="ctr"/>
                       <a:r>
-                        <a:rPr lang="ru-RU" dirty="0" smtClean="0"/>
+                        <a:rPr lang="ru-RU" dirty="0"/>
                         <a:t>1</a:t>
                       </a:r>
-                      <a:endParaRPr lang="ru-RU" dirty="0"/>
                     </a:p>
                   </a:txBody>
                   <a:tcPr anchor="ctr">
@@ -16722,10 +16700,9 @@
                     <a:p>
                       <a:pPr algn="ctr"/>
                       <a:r>
-                        <a:rPr lang="ru-RU" dirty="0" smtClean="0"/>
+                        <a:rPr lang="ru-RU" dirty="0"/>
                         <a:t>Не начато</a:t>
                       </a:r>
-                      <a:endParaRPr lang="ru-RU" dirty="0"/>
                     </a:p>
                   </a:txBody>
                   <a:tcPr anchor="ctr">
@@ -16794,25 +16771,18 @@
   <p:clrMapOvr>
     <a:masterClrMapping/>
   </p:clrMapOvr>
-  <mc:AlternateContent xmlns:mc="http://schemas.openxmlformats.org/markup-compatibility/2006">
-    <mc:Choice xmlns:p14="http://schemas.microsoft.com/office/powerpoint/2010/main" Requires="p14">
+  <mc:AlternateContent xmlns:mc="http://schemas.openxmlformats.org/markup-compatibility/2006" xmlns:p14="http://schemas.microsoft.com/office/powerpoint/2010/main">
+    <mc:Choice Requires="p14">
       <p:transition spd="slow" p14:dur="1500">
         <p:split orient="vert"/>
       </p:transition>
     </mc:Choice>
-    <mc:Fallback>
+    <mc:Fallback xmlns="">
       <p:transition spd="slow">
         <p:split orient="vert"/>
       </p:transition>
     </mc:Fallback>
   </mc:AlternateContent>
-  <p:timing>
-    <p:tnLst>
-      <p:par>
-        <p:cTn id="1" dur="indefinite" restart="never" nodeType="tmRoot"/>
-      </p:par>
-    </p:tnLst>
-  </p:timing>
 </p:sld>
 </file>
 
@@ -16872,13 +16842,6 @@
   <p:transition spd="slow">
     <p:wipe/>
   </p:transition>
-  <p:timing>
-    <p:tnLst>
-      <p:par>
-        <p:cTn id="1" dur="indefinite" restart="never" nodeType="tmRoot"/>
-      </p:par>
-    </p:tnLst>
-  </p:timing>
 </p:sld>
 </file>
 
